--- a/Livrable/Story board.pptx
+++ b/Livrable/Story board.pptx
@@ -5,7 +5,7 @@
     <p:sldMasterId id="2147483672" r:id="rId1"/>
   </p:sldMasterIdLst>
   <p:notesMasterIdLst>
-    <p:notesMasterId r:id="rId10"/>
+    <p:notesMasterId r:id="rId11"/>
   </p:notesMasterIdLst>
   <p:sldIdLst>
     <p:sldId id="256" r:id="rId2"/>
@@ -14,8 +14,9 @@
     <p:sldId id="259" r:id="rId5"/>
     <p:sldId id="260" r:id="rId6"/>
     <p:sldId id="261" r:id="rId7"/>
-    <p:sldId id="262" r:id="rId8"/>
-    <p:sldId id="263" r:id="rId9"/>
+    <p:sldId id="264" r:id="rId8"/>
+    <p:sldId id="262" r:id="rId9"/>
+    <p:sldId id="263" r:id="rId10"/>
   </p:sldIdLst>
   <p:sldSz cx="18000663" cy="12599988"/>
   <p:notesSz cx="6858000" cy="9144000"/>
@@ -204,7 +205,7 @@
           <a:p>
             <a:fld id="{2469AF92-6FBF-4551-8509-690A15EDA4B1}" type="datetimeFigureOut">
               <a:rPr lang="fr-FR" smtClean="0"/>
-              <a:t>08/12/2021</a:t>
+              <a:t>09/12/2021</a:t>
             </a:fld>
             <a:endParaRPr lang="fr-FR"/>
           </a:p>
@@ -536,7 +537,7 @@
           <a:p>
             <a:fld id="{C1922F58-A291-4EF0-B9EF-EE1B3D865E4D}" type="slidenum">
               <a:rPr lang="fr-FR" smtClean="0"/>
-              <a:t>7</a:t>
+              <a:t>8</a:t>
             </a:fld>
             <a:endParaRPr lang="fr-FR"/>
           </a:p>
@@ -686,7 +687,7 @@
           <a:p>
             <a:fld id="{F0628053-636C-4961-99FF-EA5D1C8EB3CD}" type="datetimeFigureOut">
               <a:rPr lang="fr-FR" smtClean="0"/>
-              <a:t>08/12/2021</a:t>
+              <a:t>09/12/2021</a:t>
             </a:fld>
             <a:endParaRPr lang="fr-FR"/>
           </a:p>
@@ -856,7 +857,7 @@
           <a:p>
             <a:fld id="{F0628053-636C-4961-99FF-EA5D1C8EB3CD}" type="datetimeFigureOut">
               <a:rPr lang="fr-FR" smtClean="0"/>
-              <a:t>08/12/2021</a:t>
+              <a:t>09/12/2021</a:t>
             </a:fld>
             <a:endParaRPr lang="fr-FR"/>
           </a:p>
@@ -1036,7 +1037,7 @@
           <a:p>
             <a:fld id="{F0628053-636C-4961-99FF-EA5D1C8EB3CD}" type="datetimeFigureOut">
               <a:rPr lang="fr-FR" smtClean="0"/>
-              <a:t>08/12/2021</a:t>
+              <a:t>09/12/2021</a:t>
             </a:fld>
             <a:endParaRPr lang="fr-FR"/>
           </a:p>
@@ -1206,7 +1207,7 @@
           <a:p>
             <a:fld id="{F0628053-636C-4961-99FF-EA5D1C8EB3CD}" type="datetimeFigureOut">
               <a:rPr lang="fr-FR" smtClean="0"/>
-              <a:t>08/12/2021</a:t>
+              <a:t>09/12/2021</a:t>
             </a:fld>
             <a:endParaRPr lang="fr-FR"/>
           </a:p>
@@ -1450,7 +1451,7 @@
           <a:p>
             <a:fld id="{F0628053-636C-4961-99FF-EA5D1C8EB3CD}" type="datetimeFigureOut">
               <a:rPr lang="fr-FR" smtClean="0"/>
-              <a:t>08/12/2021</a:t>
+              <a:t>09/12/2021</a:t>
             </a:fld>
             <a:endParaRPr lang="fr-FR"/>
           </a:p>
@@ -1682,7 +1683,7 @@
           <a:p>
             <a:fld id="{F0628053-636C-4961-99FF-EA5D1C8EB3CD}" type="datetimeFigureOut">
               <a:rPr lang="fr-FR" smtClean="0"/>
-              <a:t>08/12/2021</a:t>
+              <a:t>09/12/2021</a:t>
             </a:fld>
             <a:endParaRPr lang="fr-FR"/>
           </a:p>
@@ -2049,7 +2050,7 @@
           <a:p>
             <a:fld id="{F0628053-636C-4961-99FF-EA5D1C8EB3CD}" type="datetimeFigureOut">
               <a:rPr lang="fr-FR" smtClean="0"/>
-              <a:t>08/12/2021</a:t>
+              <a:t>09/12/2021</a:t>
             </a:fld>
             <a:endParaRPr lang="fr-FR"/>
           </a:p>
@@ -2167,7 +2168,7 @@
           <a:p>
             <a:fld id="{F0628053-636C-4961-99FF-EA5D1C8EB3CD}" type="datetimeFigureOut">
               <a:rPr lang="fr-FR" smtClean="0"/>
-              <a:t>08/12/2021</a:t>
+              <a:t>09/12/2021</a:t>
             </a:fld>
             <a:endParaRPr lang="fr-FR"/>
           </a:p>
@@ -2262,7 +2263,7 @@
           <a:p>
             <a:fld id="{F0628053-636C-4961-99FF-EA5D1C8EB3CD}" type="datetimeFigureOut">
               <a:rPr lang="fr-FR" smtClean="0"/>
-              <a:t>08/12/2021</a:t>
+              <a:t>09/12/2021</a:t>
             </a:fld>
             <a:endParaRPr lang="fr-FR"/>
           </a:p>
@@ -2539,7 +2540,7 @@
           <a:p>
             <a:fld id="{F0628053-636C-4961-99FF-EA5D1C8EB3CD}" type="datetimeFigureOut">
               <a:rPr lang="fr-FR" smtClean="0"/>
-              <a:t>08/12/2021</a:t>
+              <a:t>09/12/2021</a:t>
             </a:fld>
             <a:endParaRPr lang="fr-FR"/>
           </a:p>
@@ -2796,7 +2797,7 @@
           <a:p>
             <a:fld id="{F0628053-636C-4961-99FF-EA5D1C8EB3CD}" type="datetimeFigureOut">
               <a:rPr lang="fr-FR" smtClean="0"/>
-              <a:t>08/12/2021</a:t>
+              <a:t>09/12/2021</a:t>
             </a:fld>
             <a:endParaRPr lang="fr-FR"/>
           </a:p>
@@ -3009,7 +3010,7 @@
           <a:p>
             <a:fld id="{F0628053-636C-4961-99FF-EA5D1C8EB3CD}" type="datetimeFigureOut">
               <a:rPr lang="fr-FR" smtClean="0"/>
-              <a:t>08/12/2021</a:t>
+              <a:t>09/12/2021</a:t>
             </a:fld>
             <a:endParaRPr lang="fr-FR"/>
           </a:p>
@@ -5132,9 +5133,9 @@
         <p:grpSpPr>
           <a:xfrm>
             <a:off x="2178424" y="1425389"/>
-            <a:ext cx="13850469" cy="10139082"/>
+            <a:ext cx="11974747" cy="10154935"/>
             <a:chOff x="5447205" y="3106971"/>
-            <a:chExt cx="7632282" cy="6287725"/>
+            <a:chExt cx="6598668" cy="6297556"/>
           </a:xfrm>
         </p:grpSpPr>
         <p:sp>
@@ -5730,7 +5731,7 @@
           </p:nvSpPr>
           <p:spPr>
             <a:xfrm>
-              <a:off x="11415378" y="8598283"/>
+              <a:off x="9061784" y="8608114"/>
               <a:ext cx="1664109" cy="796413"/>
             </a:xfrm>
             <a:prstGeom prst="rect">
@@ -5758,7 +5759,7 @@
               <a:pPr algn="ctr"/>
               <a:r>
                 <a:rPr lang="fr-FR" sz="2367" dirty="0"/>
-                <a:t>Transaction Vendeur-Client</a:t>
+                <a:t>Inscription</a:t>
               </a:r>
             </a:p>
           </p:txBody>
@@ -5808,10 +5809,10 @@
         </p:cxnSp>
         <p:cxnSp>
           <p:nvCxnSpPr>
-            <p:cNvPr id="29" name="Connecteur droit avec flèche 28">
-              <a:extLst>
-                <a:ext uri="{FF2B5EF4-FFF2-40B4-BE49-F238E27FC236}">
-                  <a16:creationId xmlns:a16="http://schemas.microsoft.com/office/drawing/2014/main" id="{90A0DE4C-25F5-4A62-9172-A48D9869324A}"/>
+            <p:cNvPr id="30" name="Connecteur droit avec flèche 29">
+              <a:extLst>
+                <a:ext uri="{FF2B5EF4-FFF2-40B4-BE49-F238E27FC236}">
+                  <a16:creationId xmlns:a16="http://schemas.microsoft.com/office/drawing/2014/main" id="{4DBDD6DD-B357-4F4A-93E3-612317DE004D}"/>
                 </a:ext>
               </a:extLst>
             </p:cNvPr>
@@ -5822,94 +5823,9 @@
             <p:nvPr/>
           </p:nvCxnSpPr>
           <p:spPr>
-            <a:xfrm flipH="1">
-              <a:off x="7508291" y="7998517"/>
-              <a:ext cx="2389234" cy="599767"/>
-            </a:xfrm>
-            <a:prstGeom prst="straightConnector1">
-              <a:avLst/>
-            </a:prstGeom>
-            <a:ln>
-              <a:tailEnd type="triangle"/>
-            </a:ln>
-          </p:spPr>
-          <p:style>
-            <a:lnRef idx="1">
-              <a:schemeClr val="dk1"/>
-            </a:lnRef>
-            <a:fillRef idx="0">
-              <a:schemeClr val="dk1"/>
-            </a:fillRef>
-            <a:effectRef idx="0">
-              <a:schemeClr val="dk1"/>
-            </a:effectRef>
-            <a:fontRef idx="minor">
-              <a:schemeClr val="tx1"/>
-            </a:fontRef>
-          </p:style>
-        </p:cxnSp>
-        <p:cxnSp>
-          <p:nvCxnSpPr>
-            <p:cNvPr id="30" name="Connecteur droit avec flèche 29">
-              <a:extLst>
-                <a:ext uri="{FF2B5EF4-FFF2-40B4-BE49-F238E27FC236}">
-                  <a16:creationId xmlns:a16="http://schemas.microsoft.com/office/drawing/2014/main" id="{4DBDD6DD-B357-4F4A-93E3-612317DE004D}"/>
-                </a:ext>
-              </a:extLst>
-            </p:cNvPr>
-            <p:cNvCxnSpPr>
-              <a:cxnSpLocks/>
-              <a:stCxn id="24" idx="2"/>
-            </p:cNvCxnSpPr>
-            <p:nvPr/>
-          </p:nvCxnSpPr>
-          <p:spPr>
             <a:xfrm>
               <a:off x="9897528" y="7998517"/>
               <a:ext cx="19665" cy="609597"/>
-            </a:xfrm>
-            <a:prstGeom prst="straightConnector1">
-              <a:avLst/>
-            </a:prstGeom>
-            <a:ln>
-              <a:tailEnd type="triangle"/>
-            </a:ln>
-          </p:spPr>
-          <p:style>
-            <a:lnRef idx="1">
-              <a:schemeClr val="dk1"/>
-            </a:lnRef>
-            <a:fillRef idx="0">
-              <a:schemeClr val="dk1"/>
-            </a:fillRef>
-            <a:effectRef idx="0">
-              <a:schemeClr val="dk1"/>
-            </a:effectRef>
-            <a:fontRef idx="minor">
-              <a:schemeClr val="tx1"/>
-            </a:fontRef>
-          </p:style>
-        </p:cxnSp>
-        <p:cxnSp>
-          <p:nvCxnSpPr>
-            <p:cNvPr id="31" name="Connecteur droit avec flèche 30">
-              <a:extLst>
-                <a:ext uri="{FF2B5EF4-FFF2-40B4-BE49-F238E27FC236}">
-                  <a16:creationId xmlns:a16="http://schemas.microsoft.com/office/drawing/2014/main" id="{5A616A4A-D777-41C3-927B-D7F9469C5BF3}"/>
-                </a:ext>
-              </a:extLst>
-            </p:cNvPr>
-            <p:cNvCxnSpPr>
-              <a:cxnSpLocks/>
-              <a:stCxn id="24" idx="2"/>
-              <a:endCxn id="27" idx="0"/>
-            </p:cNvCxnSpPr>
-            <p:nvPr/>
-          </p:nvCxnSpPr>
-          <p:spPr>
-            <a:xfrm>
-              <a:off x="9897528" y="7998514"/>
-              <a:ext cx="2349905" cy="599766"/>
             </a:xfrm>
             <a:prstGeom prst="straightConnector1">
               <a:avLst/>
@@ -10401,6 +10317,572 @@
           <a:chExt cx="0" cy="0"/>
         </a:xfrm>
       </p:grpSpPr>
+      <p:sp>
+        <p:nvSpPr>
+          <p:cNvPr id="4" name="ZoneTexte 3">
+            <a:extLst>
+              <a:ext uri="{FF2B5EF4-FFF2-40B4-BE49-F238E27FC236}">
+                <a16:creationId xmlns:a16="http://schemas.microsoft.com/office/drawing/2014/main" id="{A152202A-330C-41FA-A591-79263D64DAD2}"/>
+              </a:ext>
+            </a:extLst>
+          </p:cNvPr>
+          <p:cNvSpPr txBox="1"/>
+          <p:nvPr/>
+        </p:nvSpPr>
+        <p:spPr>
+          <a:xfrm>
+            <a:off x="5435646" y="1553182"/>
+            <a:ext cx="6559479" cy="461665"/>
+          </a:xfrm>
+          <a:prstGeom prst="rect">
+            <a:avLst/>
+          </a:prstGeom>
+          <a:noFill/>
+        </p:spPr>
+        <p:txBody>
+          <a:bodyPr wrap="square" rtlCol="0">
+            <a:spAutoFit/>
+          </a:bodyPr>
+          <a:lstStyle/>
+          <a:p>
+            <a:pPr algn="ctr"/>
+            <a:r>
+              <a:rPr lang="fr-FR" sz="2400" b="1" dirty="0" err="1"/>
+              <a:t>StoryBoard</a:t>
+            </a:r>
+            <a:r>
+              <a:rPr lang="fr-FR" sz="2400" b="1" dirty="0"/>
+              <a:t> #16</a:t>
+            </a:r>
+          </a:p>
+        </p:txBody>
+      </p:sp>
+      <p:sp>
+        <p:nvSpPr>
+          <p:cNvPr id="5" name="Rectangle 4">
+            <a:extLst>
+              <a:ext uri="{FF2B5EF4-FFF2-40B4-BE49-F238E27FC236}">
+                <a16:creationId xmlns:a16="http://schemas.microsoft.com/office/drawing/2014/main" id="{8FCAD9E5-94F3-45AF-B298-CC1B8EA5CA07}"/>
+              </a:ext>
+            </a:extLst>
+          </p:cNvPr>
+          <p:cNvSpPr/>
+          <p:nvPr/>
+        </p:nvSpPr>
+        <p:spPr>
+          <a:xfrm>
+            <a:off x="1160696" y="2716509"/>
+            <a:ext cx="1993761" cy="1310838"/>
+          </a:xfrm>
+          <a:prstGeom prst="rect">
+            <a:avLst/>
+          </a:prstGeom>
+        </p:spPr>
+        <p:style>
+          <a:lnRef idx="2">
+            <a:schemeClr val="dk1"/>
+          </a:lnRef>
+          <a:fillRef idx="1">
+            <a:schemeClr val="lt1"/>
+          </a:fillRef>
+          <a:effectRef idx="0">
+            <a:schemeClr val="dk1"/>
+          </a:effectRef>
+          <a:fontRef idx="minor">
+            <a:schemeClr val="dk1"/>
+          </a:fontRef>
+        </p:style>
+        <p:txBody>
+          <a:bodyPr rtlCol="0" anchor="ctr"/>
+          <a:lstStyle/>
+          <a:p>
+            <a:pPr algn="ctr"/>
+            <a:r>
+              <a:rPr lang="fr-FR" sz="2367" dirty="0"/>
+              <a:t>Accueil</a:t>
+            </a:r>
+          </a:p>
+        </p:txBody>
+      </p:sp>
+      <p:sp>
+        <p:nvSpPr>
+          <p:cNvPr id="6" name="Rectangle 5">
+            <a:extLst>
+              <a:ext uri="{FF2B5EF4-FFF2-40B4-BE49-F238E27FC236}">
+                <a16:creationId xmlns:a16="http://schemas.microsoft.com/office/drawing/2014/main" id="{1041D28E-A421-40FC-8ED9-5D545D2E1DDD}"/>
+              </a:ext>
+            </a:extLst>
+          </p:cNvPr>
+          <p:cNvSpPr/>
+          <p:nvPr/>
+        </p:nvSpPr>
+        <p:spPr>
+          <a:xfrm>
+            <a:off x="4063284" y="2728647"/>
+            <a:ext cx="1993761" cy="1310838"/>
+          </a:xfrm>
+          <a:prstGeom prst="rect">
+            <a:avLst/>
+          </a:prstGeom>
+        </p:spPr>
+        <p:style>
+          <a:lnRef idx="2">
+            <a:schemeClr val="dk1"/>
+          </a:lnRef>
+          <a:fillRef idx="1">
+            <a:schemeClr val="lt1"/>
+          </a:fillRef>
+          <a:effectRef idx="0">
+            <a:schemeClr val="dk1"/>
+          </a:effectRef>
+          <a:fontRef idx="minor">
+            <a:schemeClr val="dk1"/>
+          </a:fontRef>
+        </p:style>
+        <p:txBody>
+          <a:bodyPr rtlCol="0" anchor="ctr"/>
+          <a:lstStyle/>
+          <a:p>
+            <a:pPr algn="ctr"/>
+            <a:r>
+              <a:rPr lang="fr-FR" sz="2367" dirty="0"/>
+              <a:t>Mon compte</a:t>
+            </a:r>
+          </a:p>
+        </p:txBody>
+      </p:sp>
+      <p:sp>
+        <p:nvSpPr>
+          <p:cNvPr id="7" name="Rectangle 6">
+            <a:extLst>
+              <a:ext uri="{FF2B5EF4-FFF2-40B4-BE49-F238E27FC236}">
+                <a16:creationId xmlns:a16="http://schemas.microsoft.com/office/drawing/2014/main" id="{AF85E6D5-7A2A-4A12-BF7E-06A5962EBCD7}"/>
+              </a:ext>
+            </a:extLst>
+          </p:cNvPr>
+          <p:cNvSpPr/>
+          <p:nvPr/>
+        </p:nvSpPr>
+        <p:spPr>
+          <a:xfrm>
+            <a:off x="9013623" y="2712470"/>
+            <a:ext cx="1993761" cy="1310838"/>
+          </a:xfrm>
+          <a:prstGeom prst="rect">
+            <a:avLst/>
+          </a:prstGeom>
+        </p:spPr>
+        <p:style>
+          <a:lnRef idx="2">
+            <a:schemeClr val="dk1"/>
+          </a:lnRef>
+          <a:fillRef idx="1">
+            <a:schemeClr val="lt1"/>
+          </a:fillRef>
+          <a:effectRef idx="0">
+            <a:schemeClr val="dk1"/>
+          </a:effectRef>
+          <a:fontRef idx="minor">
+            <a:schemeClr val="dk1"/>
+          </a:fontRef>
+        </p:style>
+        <p:txBody>
+          <a:bodyPr rtlCol="0" anchor="ctr"/>
+          <a:lstStyle/>
+          <a:p>
+            <a:pPr algn="ctr"/>
+            <a:r>
+              <a:rPr lang="fr-FR" sz="2367" dirty="0"/>
+              <a:t>Inscription</a:t>
+            </a:r>
+          </a:p>
+        </p:txBody>
+      </p:sp>
+      <p:sp>
+        <p:nvSpPr>
+          <p:cNvPr id="8" name="Rectangle 7">
+            <a:extLst>
+              <a:ext uri="{FF2B5EF4-FFF2-40B4-BE49-F238E27FC236}">
+                <a16:creationId xmlns:a16="http://schemas.microsoft.com/office/drawing/2014/main" id="{2B177D0E-3FC2-4938-940A-2941B7F9B91B}"/>
+              </a:ext>
+            </a:extLst>
+          </p:cNvPr>
+          <p:cNvSpPr/>
+          <p:nvPr/>
+        </p:nvSpPr>
+        <p:spPr>
+          <a:xfrm>
+            <a:off x="14846205" y="2700329"/>
+            <a:ext cx="1993761" cy="1310838"/>
+          </a:xfrm>
+          <a:prstGeom prst="rect">
+            <a:avLst/>
+          </a:prstGeom>
+        </p:spPr>
+        <p:style>
+          <a:lnRef idx="2">
+            <a:schemeClr val="dk1"/>
+          </a:lnRef>
+          <a:fillRef idx="1">
+            <a:schemeClr val="lt1"/>
+          </a:fillRef>
+          <a:effectRef idx="0">
+            <a:schemeClr val="dk1"/>
+          </a:effectRef>
+          <a:fontRef idx="minor">
+            <a:schemeClr val="dk1"/>
+          </a:fontRef>
+        </p:style>
+        <p:txBody>
+          <a:bodyPr rtlCol="0" anchor="ctr"/>
+          <a:lstStyle/>
+          <a:p>
+            <a:pPr algn="ctr"/>
+            <a:r>
+              <a:rPr lang="fr-FR" sz="2367" dirty="0"/>
+              <a:t>Mot de passe oublié</a:t>
+            </a:r>
+          </a:p>
+        </p:txBody>
+      </p:sp>
+      <p:cxnSp>
+        <p:nvCxnSpPr>
+          <p:cNvPr id="11" name="Connecteur droit avec flèche 10">
+            <a:extLst>
+              <a:ext uri="{FF2B5EF4-FFF2-40B4-BE49-F238E27FC236}">
+                <a16:creationId xmlns:a16="http://schemas.microsoft.com/office/drawing/2014/main" id="{A9B0F02B-F96F-4686-AEEB-2D1564817902}"/>
+              </a:ext>
+            </a:extLst>
+          </p:cNvPr>
+          <p:cNvCxnSpPr>
+            <a:stCxn id="5" idx="3"/>
+            <a:endCxn id="6" idx="1"/>
+          </p:cNvCxnSpPr>
+          <p:nvPr/>
+        </p:nvCxnSpPr>
+        <p:spPr>
+          <a:xfrm>
+            <a:off x="3154461" y="3371930"/>
+            <a:ext cx="908826" cy="12139"/>
+          </a:xfrm>
+          <a:prstGeom prst="straightConnector1">
+            <a:avLst/>
+          </a:prstGeom>
+          <a:ln>
+            <a:tailEnd type="triangle"/>
+          </a:ln>
+        </p:spPr>
+        <p:style>
+          <a:lnRef idx="1">
+            <a:schemeClr val="dk1"/>
+          </a:lnRef>
+          <a:fillRef idx="0">
+            <a:schemeClr val="dk1"/>
+          </a:fillRef>
+          <a:effectRef idx="0">
+            <a:schemeClr val="dk1"/>
+          </a:effectRef>
+          <a:fontRef idx="minor">
+            <a:schemeClr val="tx1"/>
+          </a:fontRef>
+        </p:style>
+      </p:cxnSp>
+      <p:cxnSp>
+        <p:nvCxnSpPr>
+          <p:cNvPr id="16" name="Connecteur droit avec flèche 15">
+            <a:extLst>
+              <a:ext uri="{FF2B5EF4-FFF2-40B4-BE49-F238E27FC236}">
+                <a16:creationId xmlns:a16="http://schemas.microsoft.com/office/drawing/2014/main" id="{222ADBB7-C926-436F-A7A5-DF25B6C9FA20}"/>
+              </a:ext>
+            </a:extLst>
+          </p:cNvPr>
+          <p:cNvCxnSpPr>
+            <a:cxnSpLocks/>
+            <a:stCxn id="6" idx="3"/>
+            <a:endCxn id="53" idx="1"/>
+          </p:cNvCxnSpPr>
+          <p:nvPr/>
+        </p:nvCxnSpPr>
+        <p:spPr>
+          <a:xfrm flipV="1">
+            <a:off x="6057048" y="3378376"/>
+            <a:ext cx="441116" cy="5693"/>
+          </a:xfrm>
+          <a:prstGeom prst="straightConnector1">
+            <a:avLst/>
+          </a:prstGeom>
+          <a:ln>
+            <a:tailEnd type="triangle"/>
+          </a:ln>
+        </p:spPr>
+        <p:style>
+          <a:lnRef idx="1">
+            <a:schemeClr val="dk1"/>
+          </a:lnRef>
+          <a:fillRef idx="0">
+            <a:schemeClr val="dk1"/>
+          </a:fillRef>
+          <a:effectRef idx="0">
+            <a:schemeClr val="dk1"/>
+          </a:effectRef>
+          <a:fontRef idx="minor">
+            <a:schemeClr val="tx1"/>
+          </a:fontRef>
+        </p:style>
+      </p:cxnSp>
+      <p:sp>
+        <p:nvSpPr>
+          <p:cNvPr id="25" name="Rectangle 24">
+            <a:extLst>
+              <a:ext uri="{FF2B5EF4-FFF2-40B4-BE49-F238E27FC236}">
+                <a16:creationId xmlns:a16="http://schemas.microsoft.com/office/drawing/2014/main" id="{8C1D02E2-0C7B-411C-AD4F-EC12B8DFAB13}"/>
+              </a:ext>
+            </a:extLst>
+          </p:cNvPr>
+          <p:cNvSpPr/>
+          <p:nvPr/>
+        </p:nvSpPr>
+        <p:spPr>
+          <a:xfrm>
+            <a:off x="11809042" y="2724977"/>
+            <a:ext cx="1993761" cy="1310838"/>
+          </a:xfrm>
+          <a:prstGeom prst="rect">
+            <a:avLst/>
+          </a:prstGeom>
+        </p:spPr>
+        <p:style>
+          <a:lnRef idx="2">
+            <a:schemeClr val="dk1"/>
+          </a:lnRef>
+          <a:fillRef idx="1">
+            <a:schemeClr val="lt1"/>
+          </a:fillRef>
+          <a:effectRef idx="0">
+            <a:schemeClr val="dk1"/>
+          </a:effectRef>
+          <a:fontRef idx="minor">
+            <a:schemeClr val="dk1"/>
+          </a:fontRef>
+        </p:style>
+        <p:txBody>
+          <a:bodyPr rtlCol="0" anchor="ctr"/>
+          <a:lstStyle/>
+          <a:p>
+            <a:pPr algn="ctr"/>
+            <a:r>
+              <a:rPr lang="fr-FR" sz="2367" dirty="0"/>
+              <a:t>Connexion</a:t>
+            </a:r>
+          </a:p>
+        </p:txBody>
+      </p:sp>
+      <p:cxnSp>
+        <p:nvCxnSpPr>
+          <p:cNvPr id="32" name="Connecteur droit avec flèche 31">
+            <a:extLst>
+              <a:ext uri="{FF2B5EF4-FFF2-40B4-BE49-F238E27FC236}">
+                <a16:creationId xmlns:a16="http://schemas.microsoft.com/office/drawing/2014/main" id="{7802074A-EC52-44A9-A882-95B2E9B42650}"/>
+              </a:ext>
+            </a:extLst>
+          </p:cNvPr>
+          <p:cNvCxnSpPr>
+            <a:cxnSpLocks/>
+            <a:stCxn id="7" idx="3"/>
+            <a:endCxn id="25" idx="1"/>
+          </p:cNvCxnSpPr>
+          <p:nvPr/>
+        </p:nvCxnSpPr>
+        <p:spPr>
+          <a:xfrm>
+            <a:off x="11007387" y="3367889"/>
+            <a:ext cx="801657" cy="12507"/>
+          </a:xfrm>
+          <a:prstGeom prst="straightConnector1">
+            <a:avLst/>
+          </a:prstGeom>
+          <a:ln>
+            <a:tailEnd type="triangle"/>
+          </a:ln>
+        </p:spPr>
+        <p:style>
+          <a:lnRef idx="1">
+            <a:schemeClr val="dk1"/>
+          </a:lnRef>
+          <a:fillRef idx="0">
+            <a:schemeClr val="dk1"/>
+          </a:fillRef>
+          <a:effectRef idx="0">
+            <a:schemeClr val="dk1"/>
+          </a:effectRef>
+          <a:fontRef idx="minor">
+            <a:schemeClr val="tx1"/>
+          </a:fontRef>
+        </p:style>
+      </p:cxnSp>
+      <p:cxnSp>
+        <p:nvCxnSpPr>
+          <p:cNvPr id="33" name="Connecteur droit avec flèche 32">
+            <a:extLst>
+              <a:ext uri="{FF2B5EF4-FFF2-40B4-BE49-F238E27FC236}">
+                <a16:creationId xmlns:a16="http://schemas.microsoft.com/office/drawing/2014/main" id="{D23B0FED-0806-4E05-A702-5E50DFAC7A67}"/>
+              </a:ext>
+            </a:extLst>
+          </p:cNvPr>
+          <p:cNvCxnSpPr>
+            <a:cxnSpLocks/>
+            <a:stCxn id="25" idx="3"/>
+            <a:endCxn id="8" idx="1"/>
+          </p:cNvCxnSpPr>
+          <p:nvPr/>
+        </p:nvCxnSpPr>
+        <p:spPr>
+          <a:xfrm flipV="1">
+            <a:off x="13802803" y="3355747"/>
+            <a:ext cx="1043402" cy="24648"/>
+          </a:xfrm>
+          <a:prstGeom prst="straightConnector1">
+            <a:avLst/>
+          </a:prstGeom>
+          <a:ln>
+            <a:tailEnd type="triangle"/>
+          </a:ln>
+        </p:spPr>
+        <p:style>
+          <a:lnRef idx="1">
+            <a:schemeClr val="dk1"/>
+          </a:lnRef>
+          <a:fillRef idx="0">
+            <a:schemeClr val="dk1"/>
+          </a:fillRef>
+          <a:effectRef idx="0">
+            <a:schemeClr val="dk1"/>
+          </a:effectRef>
+          <a:fontRef idx="minor">
+            <a:schemeClr val="tx1"/>
+          </a:fontRef>
+        </p:style>
+      </p:cxnSp>
+      <p:sp>
+        <p:nvSpPr>
+          <p:cNvPr id="53" name="Rectangle 52">
+            <a:extLst>
+              <a:ext uri="{FF2B5EF4-FFF2-40B4-BE49-F238E27FC236}">
+                <a16:creationId xmlns:a16="http://schemas.microsoft.com/office/drawing/2014/main" id="{5A64CE8A-74B4-4AD3-9411-63C3C3D73E1B}"/>
+              </a:ext>
+            </a:extLst>
+          </p:cNvPr>
+          <p:cNvSpPr/>
+          <p:nvPr/>
+        </p:nvSpPr>
+        <p:spPr>
+          <a:xfrm>
+            <a:off x="6498161" y="2722956"/>
+            <a:ext cx="1993761" cy="1310838"/>
+          </a:xfrm>
+          <a:prstGeom prst="rect">
+            <a:avLst/>
+          </a:prstGeom>
+        </p:spPr>
+        <p:style>
+          <a:lnRef idx="2">
+            <a:schemeClr val="dk1"/>
+          </a:lnRef>
+          <a:fillRef idx="1">
+            <a:schemeClr val="lt1"/>
+          </a:fillRef>
+          <a:effectRef idx="0">
+            <a:schemeClr val="dk1"/>
+          </a:effectRef>
+          <a:fontRef idx="minor">
+            <a:schemeClr val="dk1"/>
+          </a:fontRef>
+        </p:style>
+        <p:txBody>
+          <a:bodyPr rtlCol="0" anchor="ctr"/>
+          <a:lstStyle/>
+          <a:p>
+            <a:pPr algn="ctr"/>
+            <a:r>
+              <a:rPr lang="fr-FR" sz="2367" dirty="0"/>
+              <a:t>Client</a:t>
+            </a:r>
+          </a:p>
+        </p:txBody>
+      </p:sp>
+      <p:cxnSp>
+        <p:nvCxnSpPr>
+          <p:cNvPr id="54" name="Connecteur droit avec flèche 53">
+            <a:extLst>
+              <a:ext uri="{FF2B5EF4-FFF2-40B4-BE49-F238E27FC236}">
+                <a16:creationId xmlns:a16="http://schemas.microsoft.com/office/drawing/2014/main" id="{C0822A38-FEC3-406B-8C86-74444354243B}"/>
+              </a:ext>
+            </a:extLst>
+          </p:cNvPr>
+          <p:cNvCxnSpPr>
+            <a:cxnSpLocks/>
+            <a:stCxn id="53" idx="3"/>
+            <a:endCxn id="7" idx="1"/>
+          </p:cNvCxnSpPr>
+          <p:nvPr/>
+        </p:nvCxnSpPr>
+        <p:spPr>
+          <a:xfrm flipV="1">
+            <a:off x="8491922" y="3367889"/>
+            <a:ext cx="521701" cy="10486"/>
+          </a:xfrm>
+          <a:prstGeom prst="straightConnector1">
+            <a:avLst/>
+          </a:prstGeom>
+          <a:ln>
+            <a:tailEnd type="triangle"/>
+          </a:ln>
+        </p:spPr>
+        <p:style>
+          <a:lnRef idx="1">
+            <a:schemeClr val="dk1"/>
+          </a:lnRef>
+          <a:fillRef idx="0">
+            <a:schemeClr val="dk1"/>
+          </a:fillRef>
+          <a:effectRef idx="0">
+            <a:schemeClr val="dk1"/>
+          </a:effectRef>
+          <a:fontRef idx="minor">
+            <a:schemeClr val="tx1"/>
+          </a:fontRef>
+        </p:style>
+      </p:cxnSp>
+    </p:spTree>
+    <p:extLst>
+      <p:ext uri="{BB962C8B-B14F-4D97-AF65-F5344CB8AC3E}">
+        <p14:creationId xmlns:p14="http://schemas.microsoft.com/office/powerpoint/2010/main" val="1816458687"/>
+      </p:ext>
+    </p:extLst>
+  </p:cSld>
+  <p:clrMapOvr>
+    <a:masterClrMapping/>
+  </p:clrMapOvr>
+</p:sld>
+</file>
+
+<file path=ppt/slides/slide8.xml><?xml version="1.0" encoding="utf-8"?>
+<p:sld xmlns:a="http://schemas.openxmlformats.org/drawingml/2006/main" xmlns:r="http://schemas.openxmlformats.org/officeDocument/2006/relationships" xmlns:p="http://schemas.openxmlformats.org/presentationml/2006/main">
+  <p:cSld>
+    <p:spTree>
+      <p:nvGrpSpPr>
+        <p:cNvPr id="1" name=""/>
+        <p:cNvGrpSpPr/>
+        <p:nvPr/>
+      </p:nvGrpSpPr>
+      <p:grpSpPr>
+        <a:xfrm>
+          <a:off x="0" y="0"/>
+          <a:ext cx="0" cy="0"/>
+          <a:chOff x="0" y="0"/>
+          <a:chExt cx="0" cy="0"/>
+        </a:xfrm>
+      </p:grpSpPr>
       <p:grpSp>
         <p:nvGrpSpPr>
           <p:cNvPr id="166" name="Groupe 165">
@@ -13030,6 +13512,95 @@
           </a:p>
         </p:txBody>
       </p:sp>
+      <p:cxnSp>
+        <p:nvCxnSpPr>
+          <p:cNvPr id="62" name="Connecteur droit avec flèche 61">
+            <a:extLst>
+              <a:ext uri="{FF2B5EF4-FFF2-40B4-BE49-F238E27FC236}">
+                <a16:creationId xmlns:a16="http://schemas.microsoft.com/office/drawing/2014/main" id="{48D8D72B-BC4E-4D26-9029-B71FE4AFC66D}"/>
+              </a:ext>
+            </a:extLst>
+          </p:cNvPr>
+          <p:cNvCxnSpPr>
+            <a:cxnSpLocks/>
+            <a:stCxn id="122" idx="0"/>
+          </p:cNvCxnSpPr>
+          <p:nvPr/>
+        </p:nvCxnSpPr>
+        <p:spPr>
+          <a:xfrm flipH="1" flipV="1">
+            <a:off x="4724400" y="2794000"/>
+            <a:ext cx="3793277" cy="1251304"/>
+          </a:xfrm>
+          <a:prstGeom prst="straightConnector1">
+            <a:avLst/>
+          </a:prstGeom>
+          <a:ln>
+            <a:tailEnd type="triangle"/>
+          </a:ln>
+        </p:spPr>
+        <p:style>
+          <a:lnRef idx="1">
+            <a:schemeClr val="dk1"/>
+          </a:lnRef>
+          <a:fillRef idx="0">
+            <a:schemeClr val="dk1"/>
+          </a:fillRef>
+          <a:effectRef idx="0">
+            <a:schemeClr val="dk1"/>
+          </a:effectRef>
+          <a:fontRef idx="minor">
+            <a:schemeClr val="tx1"/>
+          </a:fontRef>
+        </p:style>
+      </p:cxnSp>
+      <p:sp>
+        <p:nvSpPr>
+          <p:cNvPr id="65" name="Rectangle 64">
+            <a:extLst>
+              <a:ext uri="{FF2B5EF4-FFF2-40B4-BE49-F238E27FC236}">
+                <a16:creationId xmlns:a16="http://schemas.microsoft.com/office/drawing/2014/main" id="{9CCC4078-58DD-4A5F-82A9-81BB8CB25F8A}"/>
+              </a:ext>
+            </a:extLst>
+          </p:cNvPr>
+          <p:cNvSpPr/>
+          <p:nvPr/>
+        </p:nvSpPr>
+        <p:spPr>
+          <a:xfrm>
+            <a:off x="1932948" y="2217297"/>
+            <a:ext cx="2791452" cy="948817"/>
+          </a:xfrm>
+          <a:prstGeom prst="rect">
+            <a:avLst/>
+          </a:prstGeom>
+        </p:spPr>
+        <p:style>
+          <a:lnRef idx="2">
+            <a:schemeClr val="dk1"/>
+          </a:lnRef>
+          <a:fillRef idx="1">
+            <a:schemeClr val="lt1"/>
+          </a:fillRef>
+          <a:effectRef idx="0">
+            <a:schemeClr val="dk1"/>
+          </a:effectRef>
+          <a:fontRef idx="minor">
+            <a:schemeClr val="dk1"/>
+          </a:fontRef>
+        </p:style>
+        <p:txBody>
+          <a:bodyPr rtlCol="0" anchor="ctr"/>
+          <a:lstStyle/>
+          <a:p>
+            <a:pPr algn="ctr"/>
+            <a:r>
+              <a:rPr lang="fr-FR" sz="2367" dirty="0"/>
+              <a:t>Mot de passe oublié</a:t>
+            </a:r>
+          </a:p>
+        </p:txBody>
+      </p:sp>
     </p:spTree>
     <p:extLst>
       <p:ext uri="{BB962C8B-B14F-4D97-AF65-F5344CB8AC3E}">
@@ -13043,7 +13614,7 @@
 </p:sld>
 </file>
 
-<file path=ppt/slides/slide8.xml><?xml version="1.0" encoding="utf-8"?>
+<file path=ppt/slides/slide9.xml><?xml version="1.0" encoding="utf-8"?>
 <p:sld xmlns:a="http://schemas.openxmlformats.org/drawingml/2006/main" xmlns:r="http://schemas.openxmlformats.org/officeDocument/2006/relationships" xmlns:p="http://schemas.openxmlformats.org/presentationml/2006/main">
   <p:cSld>
     <p:spTree>
